--- a/experiment/experiment-1/Topology.pptx
+++ b/experiment/experiment-1/Topology.pptx
@@ -5,11 +5,12 @@
     <p:sldMasterId id="2147483648" r:id="rId1"/>
   </p:sldMasterIdLst>
   <p:notesMasterIdLst>
-    <p:notesMasterId r:id="rId4"/>
+    <p:notesMasterId r:id="rId5"/>
   </p:notesMasterIdLst>
   <p:sldIdLst>
     <p:sldId id="256" r:id="rId2"/>
     <p:sldId id="257" r:id="rId3"/>
+    <p:sldId id="259" r:id="rId4"/>
   </p:sldIdLst>
   <p:sldSz cx="12192000" cy="6858000"/>
   <p:notesSz cx="6858000" cy="9144000"/>
@@ -164,7 +165,7 @@
                   </a:prstClr>
                 </a:solidFill>
               </a:rPr>
-              <a:t>Encrypt/Decrypt Time </a:t>
+              <a:t>Encrypt/Decrypt Time (Second) </a:t>
             </a:r>
             <a:r>
               <a:rPr lang="en-US" altLang="zh-TW" sz="1900" b="0" dirty="0">
@@ -618,7 +619,563 @@
 </c:chartSpace>
 </file>
 
+<file path=ppt/charts/chart2.xml><?xml version="1.0" encoding="utf-8"?>
+<c:chartSpace xmlns:c="http://schemas.openxmlformats.org/drawingml/2006/chart" xmlns:a="http://schemas.openxmlformats.org/drawingml/2006/main" xmlns:r="http://schemas.openxmlformats.org/officeDocument/2006/relationships" xmlns:c16r2="http://schemas.microsoft.com/office/drawing/2015/06/chart">
+  <c:date1904 val="0"/>
+  <c:lang val="zh-TW"/>
+  <c:roundedCorners val="0"/>
+  <mc:AlternateContent xmlns:mc="http://schemas.openxmlformats.org/markup-compatibility/2006">
+    <mc:Choice xmlns:c14="http://schemas.microsoft.com/office/drawing/2007/8/2/chart" Requires="c14">
+      <c14:style val="102"/>
+    </mc:Choice>
+    <mc:Fallback>
+      <c:style val="2"/>
+    </mc:Fallback>
+  </mc:AlternateContent>
+  <c:chart>
+    <c:title>
+      <c:tx>
+        <c:rich>
+          <a:bodyPr rot="0" spcFirstLastPara="1" vertOverflow="ellipsis" vert="horz" wrap="square" anchor="ctr" anchorCtr="1"/>
+          <a:lstStyle/>
+          <a:p>
+            <a:pPr>
+              <a:defRPr sz="1862" b="0" i="0" u="none" strike="noStrike" kern="1200" spc="0" baseline="0">
+                <a:solidFill>
+                  <a:schemeClr val="tx1">
+                    <a:lumMod val="65000"/>
+                    <a:lumOff val="35000"/>
+                  </a:schemeClr>
+                </a:solidFill>
+                <a:latin typeface="+mn-lt"/>
+                <a:ea typeface="+mn-ea"/>
+                <a:cs typeface="+mn-cs"/>
+              </a:defRPr>
+            </a:pPr>
+            <a:r>
+              <a:rPr lang="en-US" altLang="zh-TW" sz="1900" b="0" i="0" u="none" strike="noStrike" kern="1200" spc="0" baseline="0" dirty="0">
+                <a:solidFill>
+                  <a:prstClr val="black">
+                    <a:lumMod val="65000"/>
+                    <a:lumOff val="35000"/>
+                  </a:prstClr>
+                </a:solidFill>
+                <a:effectLst/>
+              </a:rPr>
+              <a:t>En</a:t>
+            </a:r>
+            <a:r>
+              <a:rPr lang="en-US" altLang="zh-TW" sz="1900" b="0" i="0" u="none" strike="noStrike" kern="1200" spc="0" baseline="0" dirty="0">
+                <a:solidFill>
+                  <a:prstClr val="black">
+                    <a:lumMod val="65000"/>
+                    <a:lumOff val="35000"/>
+                  </a:prstClr>
+                </a:solidFill>
+              </a:rPr>
+              <a:t>crypted data size </a:t>
+            </a:r>
+            <a:r>
+              <a:rPr lang="en-US" altLang="zh-TW" sz="1900" b="0" i="0" u="none" strike="noStrike" kern="1200" spc="0" baseline="0" dirty="0" err="1">
+                <a:solidFill>
+                  <a:prstClr val="black">
+                    <a:lumMod val="65000"/>
+                    <a:lumOff val="35000"/>
+                  </a:prstClr>
+                </a:solidFill>
+              </a:rPr>
+              <a:t>incresing</a:t>
+            </a:r>
+            <a:endParaRPr lang="en-US" altLang="zh-TW" sz="1900" b="0" dirty="0">
+              <a:effectLst/>
+            </a:endParaRPr>
+          </a:p>
+        </c:rich>
+      </c:tx>
+      <c:overlay val="0"/>
+      <c:spPr>
+        <a:noFill/>
+        <a:ln>
+          <a:noFill/>
+        </a:ln>
+        <a:effectLst/>
+      </c:spPr>
+      <c:txPr>
+        <a:bodyPr rot="0" spcFirstLastPara="1" vertOverflow="ellipsis" vert="horz" wrap="square" anchor="ctr" anchorCtr="1"/>
+        <a:lstStyle/>
+        <a:p>
+          <a:pPr>
+            <a:defRPr sz="1862" b="0" i="0" u="none" strike="noStrike" kern="1200" spc="0" baseline="0">
+              <a:solidFill>
+                <a:schemeClr val="tx1">
+                  <a:lumMod val="65000"/>
+                  <a:lumOff val="35000"/>
+                </a:schemeClr>
+              </a:solidFill>
+              <a:latin typeface="+mn-lt"/>
+              <a:ea typeface="+mn-ea"/>
+              <a:cs typeface="+mn-cs"/>
+            </a:defRPr>
+          </a:pPr>
+          <a:endParaRPr lang="zh-TW"/>
+        </a:p>
+      </c:txPr>
+    </c:title>
+    <c:autoTitleDeleted val="0"/>
+    <c:plotArea>
+      <c:layout/>
+      <c:barChart>
+        <c:barDir val="col"/>
+        <c:grouping val="clustered"/>
+        <c:varyColors val="0"/>
+        <c:ser>
+          <c:idx val="0"/>
+          <c:order val="0"/>
+          <c:tx>
+            <c:strRef>
+              <c:f>工作表1!$B$1</c:f>
+              <c:strCache>
+                <c:ptCount val="1"/>
+                <c:pt idx="0">
+                  <c:v>Original Size(bytes)</c:v>
+                </c:pt>
+              </c:strCache>
+            </c:strRef>
+          </c:tx>
+          <c:spPr>
+            <a:solidFill>
+              <a:schemeClr val="accent1"/>
+            </a:solidFill>
+            <a:ln>
+              <a:noFill/>
+            </a:ln>
+            <a:effectLst/>
+          </c:spPr>
+          <c:invertIfNegative val="0"/>
+          <c:cat>
+            <c:strRef>
+              <c:f>工作表1!$A$2:$A$11</c:f>
+              <c:strCache>
+                <c:ptCount val="10"/>
+                <c:pt idx="0">
+                  <c:v>2M</c:v>
+                </c:pt>
+                <c:pt idx="1">
+                  <c:v>4M</c:v>
+                </c:pt>
+                <c:pt idx="2">
+                  <c:v>6M</c:v>
+                </c:pt>
+                <c:pt idx="3">
+                  <c:v>8M</c:v>
+                </c:pt>
+                <c:pt idx="4">
+                  <c:v>10M</c:v>
+                </c:pt>
+                <c:pt idx="5">
+                  <c:v>12M</c:v>
+                </c:pt>
+                <c:pt idx="6">
+                  <c:v>14M</c:v>
+                </c:pt>
+                <c:pt idx="7">
+                  <c:v>16M</c:v>
+                </c:pt>
+                <c:pt idx="8">
+                  <c:v>18M</c:v>
+                </c:pt>
+                <c:pt idx="9">
+                  <c:v>20M</c:v>
+                </c:pt>
+              </c:strCache>
+            </c:strRef>
+          </c:cat>
+          <c:val>
+            <c:numRef>
+              <c:f>工作表1!$B$2:$B$11</c:f>
+              <c:numCache>
+                <c:formatCode>General</c:formatCode>
+                <c:ptCount val="10"/>
+                <c:pt idx="0">
+                  <c:v>2048</c:v>
+                </c:pt>
+                <c:pt idx="1">
+                  <c:v>4096</c:v>
+                </c:pt>
+                <c:pt idx="2">
+                  <c:v>6144</c:v>
+                </c:pt>
+                <c:pt idx="3">
+                  <c:v>8192</c:v>
+                </c:pt>
+                <c:pt idx="4">
+                  <c:v>10240</c:v>
+                </c:pt>
+                <c:pt idx="5">
+                  <c:v>12288</c:v>
+                </c:pt>
+                <c:pt idx="6">
+                  <c:v>14336</c:v>
+                </c:pt>
+                <c:pt idx="7">
+                  <c:v>16384</c:v>
+                </c:pt>
+                <c:pt idx="8">
+                  <c:v>18432</c:v>
+                </c:pt>
+                <c:pt idx="9">
+                  <c:v>20480</c:v>
+                </c:pt>
+              </c:numCache>
+            </c:numRef>
+          </c:val>
+          <c:extLst>
+            <c:ext xmlns:c16="http://schemas.microsoft.com/office/drawing/2014/chart" uri="{C3380CC4-5D6E-409C-BE32-E72D297353CC}">
+              <c16:uniqueId val="{00000000-475D-40BC-B945-2D587B9646D7}"/>
+            </c:ext>
+          </c:extLst>
+        </c:ser>
+        <c:ser>
+          <c:idx val="1"/>
+          <c:order val="1"/>
+          <c:tx>
+            <c:strRef>
+              <c:f>工作表1!$C$1</c:f>
+              <c:strCache>
+                <c:ptCount val="1"/>
+                <c:pt idx="0">
+                  <c:v>After encrypt Size(bytes)</c:v>
+                </c:pt>
+              </c:strCache>
+            </c:strRef>
+          </c:tx>
+          <c:spPr>
+            <a:solidFill>
+              <a:schemeClr val="accent2"/>
+            </a:solidFill>
+            <a:ln>
+              <a:noFill/>
+            </a:ln>
+            <a:effectLst/>
+          </c:spPr>
+          <c:invertIfNegative val="0"/>
+          <c:cat>
+            <c:strRef>
+              <c:f>工作表1!$A$2:$A$11</c:f>
+              <c:strCache>
+                <c:ptCount val="10"/>
+                <c:pt idx="0">
+                  <c:v>2M</c:v>
+                </c:pt>
+                <c:pt idx="1">
+                  <c:v>4M</c:v>
+                </c:pt>
+                <c:pt idx="2">
+                  <c:v>6M</c:v>
+                </c:pt>
+                <c:pt idx="3">
+                  <c:v>8M</c:v>
+                </c:pt>
+                <c:pt idx="4">
+                  <c:v>10M</c:v>
+                </c:pt>
+                <c:pt idx="5">
+                  <c:v>12M</c:v>
+                </c:pt>
+                <c:pt idx="6">
+                  <c:v>14M</c:v>
+                </c:pt>
+                <c:pt idx="7">
+                  <c:v>16M</c:v>
+                </c:pt>
+                <c:pt idx="8">
+                  <c:v>18M</c:v>
+                </c:pt>
+                <c:pt idx="9">
+                  <c:v>20M</c:v>
+                </c:pt>
+              </c:strCache>
+            </c:strRef>
+          </c:cat>
+          <c:val>
+            <c:numRef>
+              <c:f>工作表1!$C$2:$C$11</c:f>
+              <c:numCache>
+                <c:formatCode>General</c:formatCode>
+                <c:ptCount val="10"/>
+                <c:pt idx="0">
+                  <c:v>38480</c:v>
+                </c:pt>
+                <c:pt idx="1">
+                  <c:v>77392</c:v>
+                </c:pt>
+                <c:pt idx="2">
+                  <c:v>116304</c:v>
+                </c:pt>
+                <c:pt idx="3">
+                  <c:v>155216</c:v>
+                </c:pt>
+                <c:pt idx="4">
+                  <c:v>194128</c:v>
+                </c:pt>
+                <c:pt idx="5">
+                  <c:v>233040</c:v>
+                </c:pt>
+                <c:pt idx="6">
+                  <c:v>271952</c:v>
+                </c:pt>
+                <c:pt idx="7">
+                  <c:v>310964</c:v>
+                </c:pt>
+                <c:pt idx="8">
+                  <c:v>350388</c:v>
+                </c:pt>
+                <c:pt idx="9">
+                  <c:v>389812</c:v>
+                </c:pt>
+              </c:numCache>
+            </c:numRef>
+          </c:val>
+          <c:extLst>
+            <c:ext xmlns:c16="http://schemas.microsoft.com/office/drawing/2014/chart" uri="{C3380CC4-5D6E-409C-BE32-E72D297353CC}">
+              <c16:uniqueId val="{00000001-475D-40BC-B945-2D587B9646D7}"/>
+            </c:ext>
+          </c:extLst>
+        </c:ser>
+        <c:dLbls>
+          <c:showLegendKey val="0"/>
+          <c:showVal val="0"/>
+          <c:showCatName val="0"/>
+          <c:showSerName val="0"/>
+          <c:showPercent val="0"/>
+          <c:showBubbleSize val="0"/>
+        </c:dLbls>
+        <c:gapWidth val="219"/>
+        <c:overlap val="-27"/>
+        <c:axId val="487443983"/>
+        <c:axId val="478722271"/>
+      </c:barChart>
+      <c:catAx>
+        <c:axId val="487443983"/>
+        <c:scaling>
+          <c:orientation val="minMax"/>
+        </c:scaling>
+        <c:delete val="0"/>
+        <c:axPos val="b"/>
+        <c:numFmt formatCode="General" sourceLinked="1"/>
+        <c:majorTickMark val="none"/>
+        <c:minorTickMark val="none"/>
+        <c:tickLblPos val="nextTo"/>
+        <c:spPr>
+          <a:noFill/>
+          <a:ln w="9525" cap="flat" cmpd="sng" algn="ctr">
+            <a:solidFill>
+              <a:schemeClr val="tx1">
+                <a:lumMod val="15000"/>
+                <a:lumOff val="85000"/>
+              </a:schemeClr>
+            </a:solidFill>
+            <a:round/>
+          </a:ln>
+          <a:effectLst/>
+        </c:spPr>
+        <c:txPr>
+          <a:bodyPr rot="-60000000" spcFirstLastPara="1" vertOverflow="ellipsis" vert="horz" wrap="square" anchor="ctr" anchorCtr="1"/>
+          <a:lstStyle/>
+          <a:p>
+            <a:pPr>
+              <a:defRPr sz="1197" b="0" i="0" u="none" strike="noStrike" kern="1200" baseline="0">
+                <a:solidFill>
+                  <a:schemeClr val="tx1">
+                    <a:lumMod val="65000"/>
+                    <a:lumOff val="35000"/>
+                  </a:schemeClr>
+                </a:solidFill>
+                <a:latin typeface="+mn-lt"/>
+                <a:ea typeface="+mn-ea"/>
+                <a:cs typeface="+mn-cs"/>
+              </a:defRPr>
+            </a:pPr>
+            <a:endParaRPr lang="zh-TW"/>
+          </a:p>
+        </c:txPr>
+        <c:crossAx val="478722271"/>
+        <c:crosses val="autoZero"/>
+        <c:auto val="1"/>
+        <c:lblAlgn val="ctr"/>
+        <c:lblOffset val="100"/>
+        <c:noMultiLvlLbl val="0"/>
+      </c:catAx>
+      <c:valAx>
+        <c:axId val="478722271"/>
+        <c:scaling>
+          <c:orientation val="minMax"/>
+        </c:scaling>
+        <c:delete val="0"/>
+        <c:axPos val="l"/>
+        <c:majorGridlines>
+          <c:spPr>
+            <a:ln w="9525" cap="flat" cmpd="sng" algn="ctr">
+              <a:solidFill>
+                <a:schemeClr val="tx1">
+                  <a:lumMod val="15000"/>
+                  <a:lumOff val="85000"/>
+                </a:schemeClr>
+              </a:solidFill>
+              <a:round/>
+            </a:ln>
+            <a:effectLst/>
+          </c:spPr>
+        </c:majorGridlines>
+        <c:numFmt formatCode="General" sourceLinked="1"/>
+        <c:majorTickMark val="none"/>
+        <c:minorTickMark val="none"/>
+        <c:tickLblPos val="nextTo"/>
+        <c:spPr>
+          <a:noFill/>
+          <a:ln>
+            <a:noFill/>
+          </a:ln>
+          <a:effectLst/>
+        </c:spPr>
+        <c:txPr>
+          <a:bodyPr rot="-60000000" spcFirstLastPara="1" vertOverflow="ellipsis" vert="horz" wrap="square" anchor="ctr" anchorCtr="1"/>
+          <a:lstStyle/>
+          <a:p>
+            <a:pPr>
+              <a:defRPr sz="1197" b="0" i="0" u="none" strike="noStrike" kern="1200" baseline="0">
+                <a:solidFill>
+                  <a:schemeClr val="tx1">
+                    <a:lumMod val="65000"/>
+                    <a:lumOff val="35000"/>
+                  </a:schemeClr>
+                </a:solidFill>
+                <a:latin typeface="+mn-lt"/>
+                <a:ea typeface="+mn-ea"/>
+                <a:cs typeface="+mn-cs"/>
+              </a:defRPr>
+            </a:pPr>
+            <a:endParaRPr lang="zh-TW"/>
+          </a:p>
+        </c:txPr>
+        <c:crossAx val="487443983"/>
+        <c:crosses val="autoZero"/>
+        <c:crossBetween val="between"/>
+      </c:valAx>
+      <c:spPr>
+        <a:noFill/>
+        <a:ln>
+          <a:noFill/>
+        </a:ln>
+        <a:effectLst/>
+      </c:spPr>
+    </c:plotArea>
+    <c:legend>
+      <c:legendPos val="b"/>
+      <c:overlay val="0"/>
+      <c:spPr>
+        <a:noFill/>
+        <a:ln>
+          <a:noFill/>
+        </a:ln>
+        <a:effectLst/>
+      </c:spPr>
+      <c:txPr>
+        <a:bodyPr rot="0" spcFirstLastPara="1" vertOverflow="ellipsis" vert="horz" wrap="square" anchor="ctr" anchorCtr="1"/>
+        <a:lstStyle/>
+        <a:p>
+          <a:pPr>
+            <a:defRPr sz="1197" b="0" i="0" u="none" strike="noStrike" kern="1200" baseline="0">
+              <a:solidFill>
+                <a:schemeClr val="tx1">
+                  <a:lumMod val="65000"/>
+                  <a:lumOff val="35000"/>
+                </a:schemeClr>
+              </a:solidFill>
+              <a:latin typeface="+mn-lt"/>
+              <a:ea typeface="+mn-ea"/>
+              <a:cs typeface="+mn-cs"/>
+            </a:defRPr>
+          </a:pPr>
+          <a:endParaRPr lang="zh-TW"/>
+        </a:p>
+      </c:txPr>
+    </c:legend>
+    <c:plotVisOnly val="1"/>
+    <c:dispBlanksAs val="gap"/>
+    <c:extLst>
+      <c:ext xmlns:c16r3="http://schemas.microsoft.com/office/drawing/2017/03/chart" uri="{56B9EC1D-385E-4148-901F-78D8002777C0}">
+        <c16r3:dataDisplayOptions16>
+          <c16r3:dispNaAsBlank val="1"/>
+        </c16r3:dataDisplayOptions16>
+      </c:ext>
+    </c:extLst>
+    <c:showDLblsOverMax val="0"/>
+  </c:chart>
+  <c:spPr>
+    <a:noFill/>
+    <a:ln>
+      <a:noFill/>
+    </a:ln>
+    <a:effectLst/>
+  </c:spPr>
+  <c:txPr>
+    <a:bodyPr/>
+    <a:lstStyle/>
+    <a:p>
+      <a:pPr>
+        <a:defRPr/>
+      </a:pPr>
+      <a:endParaRPr lang="zh-TW"/>
+    </a:p>
+  </c:txPr>
+  <c:externalData r:id="rId3">
+    <c:autoUpdate val="0"/>
+  </c:externalData>
+</c:chartSpace>
+</file>
+
 <file path=ppt/charts/colors1.xml><?xml version="1.0" encoding="utf-8"?>
+<cs:colorStyle xmlns:cs="http://schemas.microsoft.com/office/drawing/2012/chartStyle" xmlns:a="http://schemas.openxmlformats.org/drawingml/2006/main" meth="cycle" id="10">
+  <a:schemeClr val="accent1"/>
+  <a:schemeClr val="accent2"/>
+  <a:schemeClr val="accent3"/>
+  <a:schemeClr val="accent4"/>
+  <a:schemeClr val="accent5"/>
+  <a:schemeClr val="accent6"/>
+  <cs:variation/>
+  <cs:variation>
+    <a:lumMod val="60000"/>
+  </cs:variation>
+  <cs:variation>
+    <a:lumMod val="80000"/>
+    <a:lumOff val="20000"/>
+  </cs:variation>
+  <cs:variation>
+    <a:lumMod val="80000"/>
+  </cs:variation>
+  <cs:variation>
+    <a:lumMod val="60000"/>
+    <a:lumOff val="40000"/>
+  </cs:variation>
+  <cs:variation>
+    <a:lumMod val="50000"/>
+  </cs:variation>
+  <cs:variation>
+    <a:lumMod val="70000"/>
+    <a:lumOff val="30000"/>
+  </cs:variation>
+  <cs:variation>
+    <a:lumMod val="70000"/>
+  </cs:variation>
+  <cs:variation>
+    <a:lumMod val="50000"/>
+    <a:lumOff val="50000"/>
+  </cs:variation>
+</cs:colorStyle>
+</file>
+
+<file path=ppt/charts/colors2.xml><?xml version="1.0" encoding="utf-8"?>
 <cs:colorStyle xmlns:cs="http://schemas.microsoft.com/office/drawing/2012/chartStyle" xmlns:a="http://schemas.openxmlformats.org/drawingml/2006/main" meth="cycle" id="10">
   <a:schemeClr val="accent1"/>
   <a:schemeClr val="accent2"/>
@@ -1161,6 +1718,509 @@
 </cs:chartStyle>
 </file>
 
+<file path=ppt/charts/style2.xml><?xml version="1.0" encoding="utf-8"?>
+<cs:chartStyle xmlns:cs="http://schemas.microsoft.com/office/drawing/2012/chartStyle" xmlns:a="http://schemas.openxmlformats.org/drawingml/2006/main" id="201">
+  <cs:axisTitle>
+    <cs:lnRef idx="0"/>
+    <cs:fillRef idx="0"/>
+    <cs:effectRef idx="0"/>
+    <cs:fontRef idx="minor">
+      <a:schemeClr val="tx1">
+        <a:lumMod val="65000"/>
+        <a:lumOff val="35000"/>
+      </a:schemeClr>
+    </cs:fontRef>
+    <cs:defRPr sz="1330" kern="1200"/>
+  </cs:axisTitle>
+  <cs:categoryAxis>
+    <cs:lnRef idx="0"/>
+    <cs:fillRef idx="0"/>
+    <cs:effectRef idx="0"/>
+    <cs:fontRef idx="minor">
+      <a:schemeClr val="tx1">
+        <a:lumMod val="65000"/>
+        <a:lumOff val="35000"/>
+      </a:schemeClr>
+    </cs:fontRef>
+    <cs:spPr>
+      <a:ln w="9525" cap="flat" cmpd="sng" algn="ctr">
+        <a:solidFill>
+          <a:schemeClr val="tx1">
+            <a:lumMod val="15000"/>
+            <a:lumOff val="85000"/>
+          </a:schemeClr>
+        </a:solidFill>
+        <a:round/>
+      </a:ln>
+    </cs:spPr>
+    <cs:defRPr sz="1197" kern="1200"/>
+  </cs:categoryAxis>
+  <cs:chartArea mods="allowNoFillOverride allowNoLineOverride">
+    <cs:lnRef idx="0"/>
+    <cs:fillRef idx="0"/>
+    <cs:effectRef idx="0"/>
+    <cs:fontRef idx="minor">
+      <a:schemeClr val="tx1"/>
+    </cs:fontRef>
+    <cs:spPr>
+      <a:solidFill>
+        <a:schemeClr val="bg1"/>
+      </a:solidFill>
+      <a:ln w="9525" cap="flat" cmpd="sng" algn="ctr">
+        <a:solidFill>
+          <a:schemeClr val="tx1">
+            <a:lumMod val="15000"/>
+            <a:lumOff val="85000"/>
+          </a:schemeClr>
+        </a:solidFill>
+        <a:round/>
+      </a:ln>
+    </cs:spPr>
+    <cs:defRPr sz="1330" kern="1200"/>
+  </cs:chartArea>
+  <cs:dataLabel>
+    <cs:lnRef idx="0"/>
+    <cs:fillRef idx="0"/>
+    <cs:effectRef idx="0"/>
+    <cs:fontRef idx="minor">
+      <a:schemeClr val="tx1">
+        <a:lumMod val="75000"/>
+        <a:lumOff val="25000"/>
+      </a:schemeClr>
+    </cs:fontRef>
+    <cs:defRPr sz="1197" kern="1200"/>
+  </cs:dataLabel>
+  <cs:dataLabelCallout>
+    <cs:lnRef idx="0"/>
+    <cs:fillRef idx="0"/>
+    <cs:effectRef idx="0"/>
+    <cs:fontRef idx="minor">
+      <a:schemeClr val="dk1">
+        <a:lumMod val="65000"/>
+        <a:lumOff val="35000"/>
+      </a:schemeClr>
+    </cs:fontRef>
+    <cs:spPr>
+      <a:solidFill>
+        <a:schemeClr val="lt1"/>
+      </a:solidFill>
+      <a:ln>
+        <a:solidFill>
+          <a:schemeClr val="dk1">
+            <a:lumMod val="25000"/>
+            <a:lumOff val="75000"/>
+          </a:schemeClr>
+        </a:solidFill>
+      </a:ln>
+    </cs:spPr>
+    <cs:defRPr sz="1197" kern="1200"/>
+    <cs:bodyPr rot="0" spcFirstLastPara="1" vertOverflow="clip" horzOverflow="clip" vert="horz" wrap="square" lIns="36576" tIns="18288" rIns="36576" bIns="18288" anchor="ctr" anchorCtr="1">
+      <a:spAutoFit/>
+    </cs:bodyPr>
+  </cs:dataLabelCallout>
+  <cs:dataPoint>
+    <cs:lnRef idx="0"/>
+    <cs:fillRef idx="1">
+      <cs:styleClr val="auto"/>
+    </cs:fillRef>
+    <cs:effectRef idx="0"/>
+    <cs:fontRef idx="minor">
+      <a:schemeClr val="tx1"/>
+    </cs:fontRef>
+  </cs:dataPoint>
+  <cs:dataPoint3D>
+    <cs:lnRef idx="0"/>
+    <cs:fillRef idx="1">
+      <cs:styleClr val="auto"/>
+    </cs:fillRef>
+    <cs:effectRef idx="0"/>
+    <cs:fontRef idx="minor">
+      <a:schemeClr val="tx1"/>
+    </cs:fontRef>
+  </cs:dataPoint3D>
+  <cs:dataPointLine>
+    <cs:lnRef idx="0">
+      <cs:styleClr val="auto"/>
+    </cs:lnRef>
+    <cs:fillRef idx="1"/>
+    <cs:effectRef idx="0"/>
+    <cs:fontRef idx="minor">
+      <a:schemeClr val="tx1"/>
+    </cs:fontRef>
+    <cs:spPr>
+      <a:ln w="28575" cap="rnd">
+        <a:solidFill>
+          <a:schemeClr val="phClr"/>
+        </a:solidFill>
+        <a:round/>
+      </a:ln>
+    </cs:spPr>
+  </cs:dataPointLine>
+  <cs:dataPointMarker>
+    <cs:lnRef idx="0">
+      <cs:styleClr val="auto"/>
+    </cs:lnRef>
+    <cs:fillRef idx="1">
+      <cs:styleClr val="auto"/>
+    </cs:fillRef>
+    <cs:effectRef idx="0"/>
+    <cs:fontRef idx="minor">
+      <a:schemeClr val="tx1"/>
+    </cs:fontRef>
+    <cs:spPr>
+      <a:ln w="9525">
+        <a:solidFill>
+          <a:schemeClr val="phClr"/>
+        </a:solidFill>
+      </a:ln>
+    </cs:spPr>
+  </cs:dataPointMarker>
+  <cs:dataPointMarkerLayout symbol="circle" size="5"/>
+  <cs:dataPointWireframe>
+    <cs:lnRef idx="0">
+      <cs:styleClr val="auto"/>
+    </cs:lnRef>
+    <cs:fillRef idx="1"/>
+    <cs:effectRef idx="0"/>
+    <cs:fontRef idx="minor">
+      <a:schemeClr val="tx1"/>
+    </cs:fontRef>
+    <cs:spPr>
+      <a:ln w="9525" cap="rnd">
+        <a:solidFill>
+          <a:schemeClr val="phClr"/>
+        </a:solidFill>
+        <a:round/>
+      </a:ln>
+    </cs:spPr>
+  </cs:dataPointWireframe>
+  <cs:dataTable>
+    <cs:lnRef idx="0"/>
+    <cs:fillRef idx="0"/>
+    <cs:effectRef idx="0"/>
+    <cs:fontRef idx="minor">
+      <a:schemeClr val="tx1">
+        <a:lumMod val="65000"/>
+        <a:lumOff val="35000"/>
+      </a:schemeClr>
+    </cs:fontRef>
+    <cs:spPr>
+      <a:noFill/>
+      <a:ln w="9525" cap="flat" cmpd="sng" algn="ctr">
+        <a:solidFill>
+          <a:schemeClr val="tx1">
+            <a:lumMod val="15000"/>
+            <a:lumOff val="85000"/>
+          </a:schemeClr>
+        </a:solidFill>
+        <a:round/>
+      </a:ln>
+    </cs:spPr>
+    <cs:defRPr sz="1197" kern="1200"/>
+  </cs:dataTable>
+  <cs:downBar>
+    <cs:lnRef idx="0"/>
+    <cs:fillRef idx="0"/>
+    <cs:effectRef idx="0"/>
+    <cs:fontRef idx="minor">
+      <a:schemeClr val="dk1"/>
+    </cs:fontRef>
+    <cs:spPr>
+      <a:solidFill>
+        <a:schemeClr val="dk1">
+          <a:lumMod val="65000"/>
+          <a:lumOff val="35000"/>
+        </a:schemeClr>
+      </a:solidFill>
+      <a:ln w="9525">
+        <a:solidFill>
+          <a:schemeClr val="tx1">
+            <a:lumMod val="65000"/>
+            <a:lumOff val="35000"/>
+          </a:schemeClr>
+        </a:solidFill>
+      </a:ln>
+    </cs:spPr>
+  </cs:downBar>
+  <cs:dropLine>
+    <cs:lnRef idx="0"/>
+    <cs:fillRef idx="0"/>
+    <cs:effectRef idx="0"/>
+    <cs:fontRef idx="minor">
+      <a:schemeClr val="tx1"/>
+    </cs:fontRef>
+    <cs:spPr>
+      <a:ln w="9525" cap="flat" cmpd="sng" algn="ctr">
+        <a:solidFill>
+          <a:schemeClr val="tx1">
+            <a:lumMod val="35000"/>
+            <a:lumOff val="65000"/>
+          </a:schemeClr>
+        </a:solidFill>
+        <a:round/>
+      </a:ln>
+    </cs:spPr>
+  </cs:dropLine>
+  <cs:errorBar>
+    <cs:lnRef idx="0"/>
+    <cs:fillRef idx="0"/>
+    <cs:effectRef idx="0"/>
+    <cs:fontRef idx="minor">
+      <a:schemeClr val="tx1"/>
+    </cs:fontRef>
+    <cs:spPr>
+      <a:ln w="9525" cap="flat" cmpd="sng" algn="ctr">
+        <a:solidFill>
+          <a:schemeClr val="tx1">
+            <a:lumMod val="65000"/>
+            <a:lumOff val="35000"/>
+          </a:schemeClr>
+        </a:solidFill>
+        <a:round/>
+      </a:ln>
+    </cs:spPr>
+  </cs:errorBar>
+  <cs:floor>
+    <cs:lnRef idx="0"/>
+    <cs:fillRef idx="0"/>
+    <cs:effectRef idx="0"/>
+    <cs:fontRef idx="minor">
+      <a:schemeClr val="tx1"/>
+    </cs:fontRef>
+    <cs:spPr>
+      <a:noFill/>
+      <a:ln>
+        <a:noFill/>
+      </a:ln>
+    </cs:spPr>
+  </cs:floor>
+  <cs:gridlineMajor>
+    <cs:lnRef idx="0"/>
+    <cs:fillRef idx="0"/>
+    <cs:effectRef idx="0"/>
+    <cs:fontRef idx="minor">
+      <a:schemeClr val="tx1"/>
+    </cs:fontRef>
+    <cs:spPr>
+      <a:ln w="9525" cap="flat" cmpd="sng" algn="ctr">
+        <a:solidFill>
+          <a:schemeClr val="tx1">
+            <a:lumMod val="15000"/>
+            <a:lumOff val="85000"/>
+          </a:schemeClr>
+        </a:solidFill>
+        <a:round/>
+      </a:ln>
+    </cs:spPr>
+  </cs:gridlineMajor>
+  <cs:gridlineMinor>
+    <cs:lnRef idx="0"/>
+    <cs:fillRef idx="0"/>
+    <cs:effectRef idx="0"/>
+    <cs:fontRef idx="minor">
+      <a:schemeClr val="tx1"/>
+    </cs:fontRef>
+    <cs:spPr>
+      <a:ln w="9525" cap="flat" cmpd="sng" algn="ctr">
+        <a:solidFill>
+          <a:schemeClr val="tx1">
+            <a:lumMod val="5000"/>
+            <a:lumOff val="95000"/>
+          </a:schemeClr>
+        </a:solidFill>
+        <a:round/>
+      </a:ln>
+    </cs:spPr>
+  </cs:gridlineMinor>
+  <cs:hiLoLine>
+    <cs:lnRef idx="0"/>
+    <cs:fillRef idx="0"/>
+    <cs:effectRef idx="0"/>
+    <cs:fontRef idx="minor">
+      <a:schemeClr val="tx1"/>
+    </cs:fontRef>
+    <cs:spPr>
+      <a:ln w="9525" cap="flat" cmpd="sng" algn="ctr">
+        <a:solidFill>
+          <a:schemeClr val="tx1">
+            <a:lumMod val="75000"/>
+            <a:lumOff val="25000"/>
+          </a:schemeClr>
+        </a:solidFill>
+        <a:round/>
+      </a:ln>
+    </cs:spPr>
+  </cs:hiLoLine>
+  <cs:leaderLine>
+    <cs:lnRef idx="0"/>
+    <cs:fillRef idx="0"/>
+    <cs:effectRef idx="0"/>
+    <cs:fontRef idx="minor">
+      <a:schemeClr val="tx1"/>
+    </cs:fontRef>
+    <cs:spPr>
+      <a:ln w="9525" cap="flat" cmpd="sng" algn="ctr">
+        <a:solidFill>
+          <a:schemeClr val="tx1">
+            <a:lumMod val="35000"/>
+            <a:lumOff val="65000"/>
+          </a:schemeClr>
+        </a:solidFill>
+        <a:round/>
+      </a:ln>
+    </cs:spPr>
+  </cs:leaderLine>
+  <cs:legend>
+    <cs:lnRef idx="0"/>
+    <cs:fillRef idx="0"/>
+    <cs:effectRef idx="0"/>
+    <cs:fontRef idx="minor">
+      <a:schemeClr val="tx1">
+        <a:lumMod val="65000"/>
+        <a:lumOff val="35000"/>
+      </a:schemeClr>
+    </cs:fontRef>
+    <cs:defRPr sz="1197" kern="1200"/>
+  </cs:legend>
+  <cs:plotArea mods="allowNoFillOverride allowNoLineOverride">
+    <cs:lnRef idx="0"/>
+    <cs:fillRef idx="0"/>
+    <cs:effectRef idx="0"/>
+    <cs:fontRef idx="minor">
+      <a:schemeClr val="tx1"/>
+    </cs:fontRef>
+  </cs:plotArea>
+  <cs:plotArea3D mods="allowNoFillOverride allowNoLineOverride">
+    <cs:lnRef idx="0"/>
+    <cs:fillRef idx="0"/>
+    <cs:effectRef idx="0"/>
+    <cs:fontRef idx="minor">
+      <a:schemeClr val="tx1"/>
+    </cs:fontRef>
+  </cs:plotArea3D>
+  <cs:seriesAxis>
+    <cs:lnRef idx="0"/>
+    <cs:fillRef idx="0"/>
+    <cs:effectRef idx="0"/>
+    <cs:fontRef idx="minor">
+      <a:schemeClr val="tx1">
+        <a:lumMod val="65000"/>
+        <a:lumOff val="35000"/>
+      </a:schemeClr>
+    </cs:fontRef>
+    <cs:defRPr sz="1197" kern="1200"/>
+  </cs:seriesAxis>
+  <cs:seriesLine>
+    <cs:lnRef idx="0"/>
+    <cs:fillRef idx="0"/>
+    <cs:effectRef idx="0"/>
+    <cs:fontRef idx="minor">
+      <a:schemeClr val="tx1"/>
+    </cs:fontRef>
+    <cs:spPr>
+      <a:ln w="9525" cap="flat" cmpd="sng" algn="ctr">
+        <a:solidFill>
+          <a:schemeClr val="tx1">
+            <a:lumMod val="35000"/>
+            <a:lumOff val="65000"/>
+          </a:schemeClr>
+        </a:solidFill>
+        <a:round/>
+      </a:ln>
+    </cs:spPr>
+  </cs:seriesLine>
+  <cs:title>
+    <cs:lnRef idx="0"/>
+    <cs:fillRef idx="0"/>
+    <cs:effectRef idx="0"/>
+    <cs:fontRef idx="minor">
+      <a:schemeClr val="tx1">
+        <a:lumMod val="65000"/>
+        <a:lumOff val="35000"/>
+      </a:schemeClr>
+    </cs:fontRef>
+    <cs:defRPr sz="1862" b="0" kern="1200" spc="0" baseline="0"/>
+  </cs:title>
+  <cs:trendline>
+    <cs:lnRef idx="0">
+      <cs:styleClr val="auto"/>
+    </cs:lnRef>
+    <cs:fillRef idx="0"/>
+    <cs:effectRef idx="0"/>
+    <cs:fontRef idx="minor">
+      <a:schemeClr val="tx1"/>
+    </cs:fontRef>
+    <cs:spPr>
+      <a:ln w="19050" cap="rnd">
+        <a:solidFill>
+          <a:schemeClr val="phClr"/>
+        </a:solidFill>
+        <a:prstDash val="sysDot"/>
+      </a:ln>
+    </cs:spPr>
+  </cs:trendline>
+  <cs:trendlineLabel>
+    <cs:lnRef idx="0"/>
+    <cs:fillRef idx="0"/>
+    <cs:effectRef idx="0"/>
+    <cs:fontRef idx="minor">
+      <a:schemeClr val="tx1">
+        <a:lumMod val="65000"/>
+        <a:lumOff val="35000"/>
+      </a:schemeClr>
+    </cs:fontRef>
+    <cs:defRPr sz="1197" kern="1200"/>
+  </cs:trendlineLabel>
+  <cs:upBar>
+    <cs:lnRef idx="0"/>
+    <cs:fillRef idx="0"/>
+    <cs:effectRef idx="0"/>
+    <cs:fontRef idx="minor">
+      <a:schemeClr val="dk1"/>
+    </cs:fontRef>
+    <cs:spPr>
+      <a:solidFill>
+        <a:schemeClr val="lt1"/>
+      </a:solidFill>
+      <a:ln w="9525">
+        <a:solidFill>
+          <a:schemeClr val="tx1">
+            <a:lumMod val="15000"/>
+            <a:lumOff val="85000"/>
+          </a:schemeClr>
+        </a:solidFill>
+      </a:ln>
+    </cs:spPr>
+  </cs:upBar>
+  <cs:valueAxis>
+    <cs:lnRef idx="0"/>
+    <cs:fillRef idx="0"/>
+    <cs:effectRef idx="0"/>
+    <cs:fontRef idx="minor">
+      <a:schemeClr val="tx1">
+        <a:lumMod val="65000"/>
+        <a:lumOff val="35000"/>
+      </a:schemeClr>
+    </cs:fontRef>
+    <cs:defRPr sz="1197" kern="1200"/>
+  </cs:valueAxis>
+  <cs:wall>
+    <cs:lnRef idx="0"/>
+    <cs:fillRef idx="0"/>
+    <cs:effectRef idx="0"/>
+    <cs:fontRef idx="minor">
+      <a:schemeClr val="tx1"/>
+    </cs:fontRef>
+    <cs:spPr>
+      <a:noFill/>
+      <a:ln>
+        <a:noFill/>
+      </a:ln>
+    </cs:spPr>
+  </cs:wall>
+</cs:chartStyle>
+</file>
+
 <file path=ppt/notesMasters/notesMaster1.xml><?xml version="1.0" encoding="utf-8"?>
 <p:notesMaster xmlns:a="http://schemas.openxmlformats.org/drawingml/2006/main" xmlns:r="http://schemas.openxmlformats.org/officeDocument/2006/relationships" xmlns:p="http://schemas.openxmlformats.org/presentationml/2006/main">
   <p:cSld>
@@ -1585,6 +2645,90 @@
     <p:extLst>
       <p:ext uri="{BB962C8B-B14F-4D97-AF65-F5344CB8AC3E}">
         <p14:creationId xmlns:p14="http://schemas.microsoft.com/office/powerpoint/2010/main" val="4251462318"/>
+      </p:ext>
+    </p:extLst>
+  </p:cSld>
+  <p:clrMapOvr>
+    <a:masterClrMapping/>
+  </p:clrMapOvr>
+</p:notes>
+</file>
+
+<file path=ppt/notesSlides/notesSlide2.xml><?xml version="1.0" encoding="utf-8"?>
+<p:notes xmlns:a="http://schemas.openxmlformats.org/drawingml/2006/main" xmlns:r="http://schemas.openxmlformats.org/officeDocument/2006/relationships" xmlns:p="http://schemas.openxmlformats.org/presentationml/2006/main">
+  <p:cSld>
+    <p:spTree>
+      <p:nvGrpSpPr>
+        <p:cNvPr id="1" name=""/>
+        <p:cNvGrpSpPr/>
+        <p:nvPr/>
+      </p:nvGrpSpPr>
+      <p:grpSpPr>
+        <a:xfrm>
+          <a:off x="0" y="0"/>
+          <a:ext cx="0" cy="0"/>
+          <a:chOff x="0" y="0"/>
+          <a:chExt cx="0" cy="0"/>
+        </a:xfrm>
+      </p:grpSpPr>
+      <p:sp>
+        <p:nvSpPr>
+          <p:cNvPr id="2" name="投影片影像版面配置區 1"/>
+          <p:cNvSpPr>
+            <a:spLocks noGrp="1" noRot="1" noChangeAspect="1"/>
+          </p:cNvSpPr>
+          <p:nvPr>
+            <p:ph type="sldImg"/>
+          </p:nvPr>
+        </p:nvSpPr>
+        <p:spPr/>
+      </p:sp>
+      <p:sp>
+        <p:nvSpPr>
+          <p:cNvPr id="3" name="備忘稿版面配置區 2"/>
+          <p:cNvSpPr>
+            <a:spLocks noGrp="1"/>
+          </p:cNvSpPr>
+          <p:nvPr>
+            <p:ph type="body" idx="1"/>
+          </p:nvPr>
+        </p:nvSpPr>
+        <p:spPr/>
+        <p:txBody>
+          <a:bodyPr/>
+          <a:lstStyle/>
+          <a:p>
+            <a:endParaRPr lang="zh-TW" altLang="en-US" dirty="0"/>
+          </a:p>
+        </p:txBody>
+      </p:sp>
+      <p:sp>
+        <p:nvSpPr>
+          <p:cNvPr id="4" name="投影片編號版面配置區 3"/>
+          <p:cNvSpPr>
+            <a:spLocks noGrp="1"/>
+          </p:cNvSpPr>
+          <p:nvPr>
+            <p:ph type="sldNum" sz="quarter" idx="5"/>
+          </p:nvPr>
+        </p:nvSpPr>
+        <p:spPr/>
+        <p:txBody>
+          <a:bodyPr/>
+          <a:lstStyle/>
+          <a:p>
+            <a:fld id="{61E61C26-B0E0-4CCE-8BFC-ED3A9F93455A}" type="slidenum">
+              <a:rPr lang="zh-TW" altLang="en-US" smtClean="0"/>
+              <a:t>2</a:t>
+            </a:fld>
+            <a:endParaRPr lang="zh-TW" altLang="en-US"/>
+          </a:p>
+        </p:txBody>
+      </p:sp>
+    </p:spTree>
+    <p:extLst>
+      <p:ext uri="{BB962C8B-B14F-4D97-AF65-F5344CB8AC3E}">
+        <p14:creationId xmlns:p14="http://schemas.microsoft.com/office/powerpoint/2010/main" val="1993726096"/>
       </p:ext>
     </p:extLst>
   </p:cSld>
@@ -6710,7 +7854,68 @@
             <p:ph idx="1"/>
             <p:extLst>
               <p:ext uri="{D42A27DB-BD31-4B8C-83A1-F6EECF244321}">
-                <p14:modId xmlns:p14="http://schemas.microsoft.com/office/powerpoint/2010/main" val="455417948"/>
+                <p14:modId xmlns:p14="http://schemas.microsoft.com/office/powerpoint/2010/main" val="3960281339"/>
+              </p:ext>
+            </p:extLst>
+          </p:nvPr>
+        </p:nvGraphicFramePr>
+        <p:xfrm>
+          <a:off x="637309" y="628074"/>
+          <a:ext cx="10716491" cy="5548890"/>
+        </p:xfrm>
+        <a:graphic>
+          <a:graphicData uri="http://schemas.openxmlformats.org/drawingml/2006/chart">
+            <c:chart xmlns:c="http://schemas.openxmlformats.org/drawingml/2006/chart" xmlns:r="http://schemas.openxmlformats.org/officeDocument/2006/relationships" r:id="rId3"/>
+          </a:graphicData>
+        </a:graphic>
+      </p:graphicFrame>
+    </p:spTree>
+    <p:extLst>
+      <p:ext uri="{BB962C8B-B14F-4D97-AF65-F5344CB8AC3E}">
+        <p14:creationId xmlns:p14="http://schemas.microsoft.com/office/powerpoint/2010/main" val="1611853235"/>
+      </p:ext>
+    </p:extLst>
+  </p:cSld>
+  <p:clrMapOvr>
+    <a:masterClrMapping/>
+  </p:clrMapOvr>
+</p:sld>
+</file>
+
+<file path=ppt/slides/slide3.xml><?xml version="1.0" encoding="utf-8"?>
+<p:sld xmlns:a="http://schemas.openxmlformats.org/drawingml/2006/main" xmlns:r="http://schemas.openxmlformats.org/officeDocument/2006/relationships" xmlns:p="http://schemas.openxmlformats.org/presentationml/2006/main">
+  <p:cSld>
+    <p:spTree>
+      <p:nvGrpSpPr>
+        <p:cNvPr id="1" name=""/>
+        <p:cNvGrpSpPr/>
+        <p:nvPr/>
+      </p:nvGrpSpPr>
+      <p:grpSpPr>
+        <a:xfrm>
+          <a:off x="0" y="0"/>
+          <a:ext cx="0" cy="0"/>
+          <a:chOff x="0" y="0"/>
+          <a:chExt cx="0" cy="0"/>
+        </a:xfrm>
+      </p:grpSpPr>
+      <p:graphicFrame>
+        <p:nvGraphicFramePr>
+          <p:cNvPr id="5" name="內容版面配置區 5">
+            <a:extLst>
+              <a:ext uri="{FF2B5EF4-FFF2-40B4-BE49-F238E27FC236}">
+                <a16:creationId xmlns:a16="http://schemas.microsoft.com/office/drawing/2014/main" id="{813C998E-A489-ED25-7EA5-F350FD9B7787}"/>
+              </a:ext>
+            </a:extLst>
+          </p:cNvPr>
+          <p:cNvGraphicFramePr>
+            <a:graphicFrameLocks noGrp="1"/>
+          </p:cNvGraphicFramePr>
+          <p:nvPr>
+            <p:ph idx="1"/>
+            <p:extLst>
+              <p:ext uri="{D42A27DB-BD31-4B8C-83A1-F6EECF244321}">
+                <p14:modId xmlns:p14="http://schemas.microsoft.com/office/powerpoint/2010/main" val="2280264009"/>
               </p:ext>
             </p:extLst>
           </p:nvPr>
@@ -6728,7 +7933,7 @@
     </p:spTree>
     <p:extLst>
       <p:ext uri="{BB962C8B-B14F-4D97-AF65-F5344CB8AC3E}">
-        <p14:creationId xmlns:p14="http://schemas.microsoft.com/office/powerpoint/2010/main" val="1611853235"/>
+        <p14:creationId xmlns:p14="http://schemas.microsoft.com/office/powerpoint/2010/main" val="4105414700"/>
       </p:ext>
     </p:extLst>
   </p:cSld>

--- a/experiment/experiment-1/Topology.pptx
+++ b/experiment/experiment-1/Topology.pptx
@@ -5,12 +5,11 @@
     <p:sldMasterId id="2147483648" r:id="rId1"/>
   </p:sldMasterIdLst>
   <p:notesMasterIdLst>
-    <p:notesMasterId r:id="rId5"/>
+    <p:notesMasterId r:id="rId4"/>
   </p:notesMasterIdLst>
   <p:sldIdLst>
     <p:sldId id="256" r:id="rId2"/>
     <p:sldId id="257" r:id="rId3"/>
-    <p:sldId id="259" r:id="rId4"/>
   </p:sldIdLst>
   <p:sldSz cx="12192000" cy="6858000"/>
   <p:notesSz cx="6858000" cy="9144000"/>
@@ -165,7 +164,7 @@
                   </a:prstClr>
                 </a:solidFill>
               </a:rPr>
-              <a:t>Encrypt/Decrypt Time (Second) </a:t>
+              <a:t>Encrypt/Decrypt Time </a:t>
             </a:r>
             <a:r>
               <a:rPr lang="en-US" altLang="zh-TW" sz="1900" b="0" dirty="0">
@@ -619,563 +618,7 @@
 </c:chartSpace>
 </file>
 
-<file path=ppt/charts/chart2.xml><?xml version="1.0" encoding="utf-8"?>
-<c:chartSpace xmlns:c="http://schemas.openxmlformats.org/drawingml/2006/chart" xmlns:a="http://schemas.openxmlformats.org/drawingml/2006/main" xmlns:r="http://schemas.openxmlformats.org/officeDocument/2006/relationships" xmlns:c16r2="http://schemas.microsoft.com/office/drawing/2015/06/chart">
-  <c:date1904 val="0"/>
-  <c:lang val="zh-TW"/>
-  <c:roundedCorners val="0"/>
-  <mc:AlternateContent xmlns:mc="http://schemas.openxmlformats.org/markup-compatibility/2006">
-    <mc:Choice xmlns:c14="http://schemas.microsoft.com/office/drawing/2007/8/2/chart" Requires="c14">
-      <c14:style val="102"/>
-    </mc:Choice>
-    <mc:Fallback>
-      <c:style val="2"/>
-    </mc:Fallback>
-  </mc:AlternateContent>
-  <c:chart>
-    <c:title>
-      <c:tx>
-        <c:rich>
-          <a:bodyPr rot="0" spcFirstLastPara="1" vertOverflow="ellipsis" vert="horz" wrap="square" anchor="ctr" anchorCtr="1"/>
-          <a:lstStyle/>
-          <a:p>
-            <a:pPr>
-              <a:defRPr sz="1862" b="0" i="0" u="none" strike="noStrike" kern="1200" spc="0" baseline="0">
-                <a:solidFill>
-                  <a:schemeClr val="tx1">
-                    <a:lumMod val="65000"/>
-                    <a:lumOff val="35000"/>
-                  </a:schemeClr>
-                </a:solidFill>
-                <a:latin typeface="+mn-lt"/>
-                <a:ea typeface="+mn-ea"/>
-                <a:cs typeface="+mn-cs"/>
-              </a:defRPr>
-            </a:pPr>
-            <a:r>
-              <a:rPr lang="en-US" altLang="zh-TW" sz="1900" b="0" i="0" u="none" strike="noStrike" kern="1200" spc="0" baseline="0" dirty="0">
-                <a:solidFill>
-                  <a:prstClr val="black">
-                    <a:lumMod val="65000"/>
-                    <a:lumOff val="35000"/>
-                  </a:prstClr>
-                </a:solidFill>
-                <a:effectLst/>
-              </a:rPr>
-              <a:t>En</a:t>
-            </a:r>
-            <a:r>
-              <a:rPr lang="en-US" altLang="zh-TW" sz="1900" b="0" i="0" u="none" strike="noStrike" kern="1200" spc="0" baseline="0" dirty="0">
-                <a:solidFill>
-                  <a:prstClr val="black">
-                    <a:lumMod val="65000"/>
-                    <a:lumOff val="35000"/>
-                  </a:prstClr>
-                </a:solidFill>
-              </a:rPr>
-              <a:t>crypted data size </a:t>
-            </a:r>
-            <a:r>
-              <a:rPr lang="en-US" altLang="zh-TW" sz="1900" b="0" i="0" u="none" strike="noStrike" kern="1200" spc="0" baseline="0" dirty="0" err="1">
-                <a:solidFill>
-                  <a:prstClr val="black">
-                    <a:lumMod val="65000"/>
-                    <a:lumOff val="35000"/>
-                  </a:prstClr>
-                </a:solidFill>
-              </a:rPr>
-              <a:t>incresing</a:t>
-            </a:r>
-            <a:endParaRPr lang="en-US" altLang="zh-TW" sz="1900" b="0" dirty="0">
-              <a:effectLst/>
-            </a:endParaRPr>
-          </a:p>
-        </c:rich>
-      </c:tx>
-      <c:overlay val="0"/>
-      <c:spPr>
-        <a:noFill/>
-        <a:ln>
-          <a:noFill/>
-        </a:ln>
-        <a:effectLst/>
-      </c:spPr>
-      <c:txPr>
-        <a:bodyPr rot="0" spcFirstLastPara="1" vertOverflow="ellipsis" vert="horz" wrap="square" anchor="ctr" anchorCtr="1"/>
-        <a:lstStyle/>
-        <a:p>
-          <a:pPr>
-            <a:defRPr sz="1862" b="0" i="0" u="none" strike="noStrike" kern="1200" spc="0" baseline="0">
-              <a:solidFill>
-                <a:schemeClr val="tx1">
-                  <a:lumMod val="65000"/>
-                  <a:lumOff val="35000"/>
-                </a:schemeClr>
-              </a:solidFill>
-              <a:latin typeface="+mn-lt"/>
-              <a:ea typeface="+mn-ea"/>
-              <a:cs typeface="+mn-cs"/>
-            </a:defRPr>
-          </a:pPr>
-          <a:endParaRPr lang="zh-TW"/>
-        </a:p>
-      </c:txPr>
-    </c:title>
-    <c:autoTitleDeleted val="0"/>
-    <c:plotArea>
-      <c:layout/>
-      <c:barChart>
-        <c:barDir val="col"/>
-        <c:grouping val="clustered"/>
-        <c:varyColors val="0"/>
-        <c:ser>
-          <c:idx val="0"/>
-          <c:order val="0"/>
-          <c:tx>
-            <c:strRef>
-              <c:f>工作表1!$B$1</c:f>
-              <c:strCache>
-                <c:ptCount val="1"/>
-                <c:pt idx="0">
-                  <c:v>Original Size(bytes)</c:v>
-                </c:pt>
-              </c:strCache>
-            </c:strRef>
-          </c:tx>
-          <c:spPr>
-            <a:solidFill>
-              <a:schemeClr val="accent1"/>
-            </a:solidFill>
-            <a:ln>
-              <a:noFill/>
-            </a:ln>
-            <a:effectLst/>
-          </c:spPr>
-          <c:invertIfNegative val="0"/>
-          <c:cat>
-            <c:strRef>
-              <c:f>工作表1!$A$2:$A$11</c:f>
-              <c:strCache>
-                <c:ptCount val="10"/>
-                <c:pt idx="0">
-                  <c:v>2M</c:v>
-                </c:pt>
-                <c:pt idx="1">
-                  <c:v>4M</c:v>
-                </c:pt>
-                <c:pt idx="2">
-                  <c:v>6M</c:v>
-                </c:pt>
-                <c:pt idx="3">
-                  <c:v>8M</c:v>
-                </c:pt>
-                <c:pt idx="4">
-                  <c:v>10M</c:v>
-                </c:pt>
-                <c:pt idx="5">
-                  <c:v>12M</c:v>
-                </c:pt>
-                <c:pt idx="6">
-                  <c:v>14M</c:v>
-                </c:pt>
-                <c:pt idx="7">
-                  <c:v>16M</c:v>
-                </c:pt>
-                <c:pt idx="8">
-                  <c:v>18M</c:v>
-                </c:pt>
-                <c:pt idx="9">
-                  <c:v>20M</c:v>
-                </c:pt>
-              </c:strCache>
-            </c:strRef>
-          </c:cat>
-          <c:val>
-            <c:numRef>
-              <c:f>工作表1!$B$2:$B$11</c:f>
-              <c:numCache>
-                <c:formatCode>General</c:formatCode>
-                <c:ptCount val="10"/>
-                <c:pt idx="0">
-                  <c:v>2048</c:v>
-                </c:pt>
-                <c:pt idx="1">
-                  <c:v>4096</c:v>
-                </c:pt>
-                <c:pt idx="2">
-                  <c:v>6144</c:v>
-                </c:pt>
-                <c:pt idx="3">
-                  <c:v>8192</c:v>
-                </c:pt>
-                <c:pt idx="4">
-                  <c:v>10240</c:v>
-                </c:pt>
-                <c:pt idx="5">
-                  <c:v>12288</c:v>
-                </c:pt>
-                <c:pt idx="6">
-                  <c:v>14336</c:v>
-                </c:pt>
-                <c:pt idx="7">
-                  <c:v>16384</c:v>
-                </c:pt>
-                <c:pt idx="8">
-                  <c:v>18432</c:v>
-                </c:pt>
-                <c:pt idx="9">
-                  <c:v>20480</c:v>
-                </c:pt>
-              </c:numCache>
-            </c:numRef>
-          </c:val>
-          <c:extLst>
-            <c:ext xmlns:c16="http://schemas.microsoft.com/office/drawing/2014/chart" uri="{C3380CC4-5D6E-409C-BE32-E72D297353CC}">
-              <c16:uniqueId val="{00000000-475D-40BC-B945-2D587B9646D7}"/>
-            </c:ext>
-          </c:extLst>
-        </c:ser>
-        <c:ser>
-          <c:idx val="1"/>
-          <c:order val="1"/>
-          <c:tx>
-            <c:strRef>
-              <c:f>工作表1!$C$1</c:f>
-              <c:strCache>
-                <c:ptCount val="1"/>
-                <c:pt idx="0">
-                  <c:v>After encrypt Size(bytes)</c:v>
-                </c:pt>
-              </c:strCache>
-            </c:strRef>
-          </c:tx>
-          <c:spPr>
-            <a:solidFill>
-              <a:schemeClr val="accent2"/>
-            </a:solidFill>
-            <a:ln>
-              <a:noFill/>
-            </a:ln>
-            <a:effectLst/>
-          </c:spPr>
-          <c:invertIfNegative val="0"/>
-          <c:cat>
-            <c:strRef>
-              <c:f>工作表1!$A$2:$A$11</c:f>
-              <c:strCache>
-                <c:ptCount val="10"/>
-                <c:pt idx="0">
-                  <c:v>2M</c:v>
-                </c:pt>
-                <c:pt idx="1">
-                  <c:v>4M</c:v>
-                </c:pt>
-                <c:pt idx="2">
-                  <c:v>6M</c:v>
-                </c:pt>
-                <c:pt idx="3">
-                  <c:v>8M</c:v>
-                </c:pt>
-                <c:pt idx="4">
-                  <c:v>10M</c:v>
-                </c:pt>
-                <c:pt idx="5">
-                  <c:v>12M</c:v>
-                </c:pt>
-                <c:pt idx="6">
-                  <c:v>14M</c:v>
-                </c:pt>
-                <c:pt idx="7">
-                  <c:v>16M</c:v>
-                </c:pt>
-                <c:pt idx="8">
-                  <c:v>18M</c:v>
-                </c:pt>
-                <c:pt idx="9">
-                  <c:v>20M</c:v>
-                </c:pt>
-              </c:strCache>
-            </c:strRef>
-          </c:cat>
-          <c:val>
-            <c:numRef>
-              <c:f>工作表1!$C$2:$C$11</c:f>
-              <c:numCache>
-                <c:formatCode>General</c:formatCode>
-                <c:ptCount val="10"/>
-                <c:pt idx="0">
-                  <c:v>38480</c:v>
-                </c:pt>
-                <c:pt idx="1">
-                  <c:v>77392</c:v>
-                </c:pt>
-                <c:pt idx="2">
-                  <c:v>116304</c:v>
-                </c:pt>
-                <c:pt idx="3">
-                  <c:v>155216</c:v>
-                </c:pt>
-                <c:pt idx="4">
-                  <c:v>194128</c:v>
-                </c:pt>
-                <c:pt idx="5">
-                  <c:v>233040</c:v>
-                </c:pt>
-                <c:pt idx="6">
-                  <c:v>271952</c:v>
-                </c:pt>
-                <c:pt idx="7">
-                  <c:v>310964</c:v>
-                </c:pt>
-                <c:pt idx="8">
-                  <c:v>350388</c:v>
-                </c:pt>
-                <c:pt idx="9">
-                  <c:v>389812</c:v>
-                </c:pt>
-              </c:numCache>
-            </c:numRef>
-          </c:val>
-          <c:extLst>
-            <c:ext xmlns:c16="http://schemas.microsoft.com/office/drawing/2014/chart" uri="{C3380CC4-5D6E-409C-BE32-E72D297353CC}">
-              <c16:uniqueId val="{00000001-475D-40BC-B945-2D587B9646D7}"/>
-            </c:ext>
-          </c:extLst>
-        </c:ser>
-        <c:dLbls>
-          <c:showLegendKey val="0"/>
-          <c:showVal val="0"/>
-          <c:showCatName val="0"/>
-          <c:showSerName val="0"/>
-          <c:showPercent val="0"/>
-          <c:showBubbleSize val="0"/>
-        </c:dLbls>
-        <c:gapWidth val="219"/>
-        <c:overlap val="-27"/>
-        <c:axId val="487443983"/>
-        <c:axId val="478722271"/>
-      </c:barChart>
-      <c:catAx>
-        <c:axId val="487443983"/>
-        <c:scaling>
-          <c:orientation val="minMax"/>
-        </c:scaling>
-        <c:delete val="0"/>
-        <c:axPos val="b"/>
-        <c:numFmt formatCode="General" sourceLinked="1"/>
-        <c:majorTickMark val="none"/>
-        <c:minorTickMark val="none"/>
-        <c:tickLblPos val="nextTo"/>
-        <c:spPr>
-          <a:noFill/>
-          <a:ln w="9525" cap="flat" cmpd="sng" algn="ctr">
-            <a:solidFill>
-              <a:schemeClr val="tx1">
-                <a:lumMod val="15000"/>
-                <a:lumOff val="85000"/>
-              </a:schemeClr>
-            </a:solidFill>
-            <a:round/>
-          </a:ln>
-          <a:effectLst/>
-        </c:spPr>
-        <c:txPr>
-          <a:bodyPr rot="-60000000" spcFirstLastPara="1" vertOverflow="ellipsis" vert="horz" wrap="square" anchor="ctr" anchorCtr="1"/>
-          <a:lstStyle/>
-          <a:p>
-            <a:pPr>
-              <a:defRPr sz="1197" b="0" i="0" u="none" strike="noStrike" kern="1200" baseline="0">
-                <a:solidFill>
-                  <a:schemeClr val="tx1">
-                    <a:lumMod val="65000"/>
-                    <a:lumOff val="35000"/>
-                  </a:schemeClr>
-                </a:solidFill>
-                <a:latin typeface="+mn-lt"/>
-                <a:ea typeface="+mn-ea"/>
-                <a:cs typeface="+mn-cs"/>
-              </a:defRPr>
-            </a:pPr>
-            <a:endParaRPr lang="zh-TW"/>
-          </a:p>
-        </c:txPr>
-        <c:crossAx val="478722271"/>
-        <c:crosses val="autoZero"/>
-        <c:auto val="1"/>
-        <c:lblAlgn val="ctr"/>
-        <c:lblOffset val="100"/>
-        <c:noMultiLvlLbl val="0"/>
-      </c:catAx>
-      <c:valAx>
-        <c:axId val="478722271"/>
-        <c:scaling>
-          <c:orientation val="minMax"/>
-        </c:scaling>
-        <c:delete val="0"/>
-        <c:axPos val="l"/>
-        <c:majorGridlines>
-          <c:spPr>
-            <a:ln w="9525" cap="flat" cmpd="sng" algn="ctr">
-              <a:solidFill>
-                <a:schemeClr val="tx1">
-                  <a:lumMod val="15000"/>
-                  <a:lumOff val="85000"/>
-                </a:schemeClr>
-              </a:solidFill>
-              <a:round/>
-            </a:ln>
-            <a:effectLst/>
-          </c:spPr>
-        </c:majorGridlines>
-        <c:numFmt formatCode="General" sourceLinked="1"/>
-        <c:majorTickMark val="none"/>
-        <c:minorTickMark val="none"/>
-        <c:tickLblPos val="nextTo"/>
-        <c:spPr>
-          <a:noFill/>
-          <a:ln>
-            <a:noFill/>
-          </a:ln>
-          <a:effectLst/>
-        </c:spPr>
-        <c:txPr>
-          <a:bodyPr rot="-60000000" spcFirstLastPara="1" vertOverflow="ellipsis" vert="horz" wrap="square" anchor="ctr" anchorCtr="1"/>
-          <a:lstStyle/>
-          <a:p>
-            <a:pPr>
-              <a:defRPr sz="1197" b="0" i="0" u="none" strike="noStrike" kern="1200" baseline="0">
-                <a:solidFill>
-                  <a:schemeClr val="tx1">
-                    <a:lumMod val="65000"/>
-                    <a:lumOff val="35000"/>
-                  </a:schemeClr>
-                </a:solidFill>
-                <a:latin typeface="+mn-lt"/>
-                <a:ea typeface="+mn-ea"/>
-                <a:cs typeface="+mn-cs"/>
-              </a:defRPr>
-            </a:pPr>
-            <a:endParaRPr lang="zh-TW"/>
-          </a:p>
-        </c:txPr>
-        <c:crossAx val="487443983"/>
-        <c:crosses val="autoZero"/>
-        <c:crossBetween val="between"/>
-      </c:valAx>
-      <c:spPr>
-        <a:noFill/>
-        <a:ln>
-          <a:noFill/>
-        </a:ln>
-        <a:effectLst/>
-      </c:spPr>
-    </c:plotArea>
-    <c:legend>
-      <c:legendPos val="b"/>
-      <c:overlay val="0"/>
-      <c:spPr>
-        <a:noFill/>
-        <a:ln>
-          <a:noFill/>
-        </a:ln>
-        <a:effectLst/>
-      </c:spPr>
-      <c:txPr>
-        <a:bodyPr rot="0" spcFirstLastPara="1" vertOverflow="ellipsis" vert="horz" wrap="square" anchor="ctr" anchorCtr="1"/>
-        <a:lstStyle/>
-        <a:p>
-          <a:pPr>
-            <a:defRPr sz="1197" b="0" i="0" u="none" strike="noStrike" kern="1200" baseline="0">
-              <a:solidFill>
-                <a:schemeClr val="tx1">
-                  <a:lumMod val="65000"/>
-                  <a:lumOff val="35000"/>
-                </a:schemeClr>
-              </a:solidFill>
-              <a:latin typeface="+mn-lt"/>
-              <a:ea typeface="+mn-ea"/>
-              <a:cs typeface="+mn-cs"/>
-            </a:defRPr>
-          </a:pPr>
-          <a:endParaRPr lang="zh-TW"/>
-        </a:p>
-      </c:txPr>
-    </c:legend>
-    <c:plotVisOnly val="1"/>
-    <c:dispBlanksAs val="gap"/>
-    <c:extLst>
-      <c:ext xmlns:c16r3="http://schemas.microsoft.com/office/drawing/2017/03/chart" uri="{56B9EC1D-385E-4148-901F-78D8002777C0}">
-        <c16r3:dataDisplayOptions16>
-          <c16r3:dispNaAsBlank val="1"/>
-        </c16r3:dataDisplayOptions16>
-      </c:ext>
-    </c:extLst>
-    <c:showDLblsOverMax val="0"/>
-  </c:chart>
-  <c:spPr>
-    <a:noFill/>
-    <a:ln>
-      <a:noFill/>
-    </a:ln>
-    <a:effectLst/>
-  </c:spPr>
-  <c:txPr>
-    <a:bodyPr/>
-    <a:lstStyle/>
-    <a:p>
-      <a:pPr>
-        <a:defRPr/>
-      </a:pPr>
-      <a:endParaRPr lang="zh-TW"/>
-    </a:p>
-  </c:txPr>
-  <c:externalData r:id="rId3">
-    <c:autoUpdate val="0"/>
-  </c:externalData>
-</c:chartSpace>
-</file>
-
 <file path=ppt/charts/colors1.xml><?xml version="1.0" encoding="utf-8"?>
-<cs:colorStyle xmlns:cs="http://schemas.microsoft.com/office/drawing/2012/chartStyle" xmlns:a="http://schemas.openxmlformats.org/drawingml/2006/main" meth="cycle" id="10">
-  <a:schemeClr val="accent1"/>
-  <a:schemeClr val="accent2"/>
-  <a:schemeClr val="accent3"/>
-  <a:schemeClr val="accent4"/>
-  <a:schemeClr val="accent5"/>
-  <a:schemeClr val="accent6"/>
-  <cs:variation/>
-  <cs:variation>
-    <a:lumMod val="60000"/>
-  </cs:variation>
-  <cs:variation>
-    <a:lumMod val="80000"/>
-    <a:lumOff val="20000"/>
-  </cs:variation>
-  <cs:variation>
-    <a:lumMod val="80000"/>
-  </cs:variation>
-  <cs:variation>
-    <a:lumMod val="60000"/>
-    <a:lumOff val="40000"/>
-  </cs:variation>
-  <cs:variation>
-    <a:lumMod val="50000"/>
-  </cs:variation>
-  <cs:variation>
-    <a:lumMod val="70000"/>
-    <a:lumOff val="30000"/>
-  </cs:variation>
-  <cs:variation>
-    <a:lumMod val="70000"/>
-  </cs:variation>
-  <cs:variation>
-    <a:lumMod val="50000"/>
-    <a:lumOff val="50000"/>
-  </cs:variation>
-</cs:colorStyle>
-</file>
-
-<file path=ppt/charts/colors2.xml><?xml version="1.0" encoding="utf-8"?>
 <cs:colorStyle xmlns:cs="http://schemas.microsoft.com/office/drawing/2012/chartStyle" xmlns:a="http://schemas.openxmlformats.org/drawingml/2006/main" meth="cycle" id="10">
   <a:schemeClr val="accent1"/>
   <a:schemeClr val="accent2"/>
@@ -1718,509 +1161,6 @@
 </cs:chartStyle>
 </file>
 
-<file path=ppt/charts/style2.xml><?xml version="1.0" encoding="utf-8"?>
-<cs:chartStyle xmlns:cs="http://schemas.microsoft.com/office/drawing/2012/chartStyle" xmlns:a="http://schemas.openxmlformats.org/drawingml/2006/main" id="201">
-  <cs:axisTitle>
-    <cs:lnRef idx="0"/>
-    <cs:fillRef idx="0"/>
-    <cs:effectRef idx="0"/>
-    <cs:fontRef idx="minor">
-      <a:schemeClr val="tx1">
-        <a:lumMod val="65000"/>
-        <a:lumOff val="35000"/>
-      </a:schemeClr>
-    </cs:fontRef>
-    <cs:defRPr sz="1330" kern="1200"/>
-  </cs:axisTitle>
-  <cs:categoryAxis>
-    <cs:lnRef idx="0"/>
-    <cs:fillRef idx="0"/>
-    <cs:effectRef idx="0"/>
-    <cs:fontRef idx="minor">
-      <a:schemeClr val="tx1">
-        <a:lumMod val="65000"/>
-        <a:lumOff val="35000"/>
-      </a:schemeClr>
-    </cs:fontRef>
-    <cs:spPr>
-      <a:ln w="9525" cap="flat" cmpd="sng" algn="ctr">
-        <a:solidFill>
-          <a:schemeClr val="tx1">
-            <a:lumMod val="15000"/>
-            <a:lumOff val="85000"/>
-          </a:schemeClr>
-        </a:solidFill>
-        <a:round/>
-      </a:ln>
-    </cs:spPr>
-    <cs:defRPr sz="1197" kern="1200"/>
-  </cs:categoryAxis>
-  <cs:chartArea mods="allowNoFillOverride allowNoLineOverride">
-    <cs:lnRef idx="0"/>
-    <cs:fillRef idx="0"/>
-    <cs:effectRef idx="0"/>
-    <cs:fontRef idx="minor">
-      <a:schemeClr val="tx1"/>
-    </cs:fontRef>
-    <cs:spPr>
-      <a:solidFill>
-        <a:schemeClr val="bg1"/>
-      </a:solidFill>
-      <a:ln w="9525" cap="flat" cmpd="sng" algn="ctr">
-        <a:solidFill>
-          <a:schemeClr val="tx1">
-            <a:lumMod val="15000"/>
-            <a:lumOff val="85000"/>
-          </a:schemeClr>
-        </a:solidFill>
-        <a:round/>
-      </a:ln>
-    </cs:spPr>
-    <cs:defRPr sz="1330" kern="1200"/>
-  </cs:chartArea>
-  <cs:dataLabel>
-    <cs:lnRef idx="0"/>
-    <cs:fillRef idx="0"/>
-    <cs:effectRef idx="0"/>
-    <cs:fontRef idx="minor">
-      <a:schemeClr val="tx1">
-        <a:lumMod val="75000"/>
-        <a:lumOff val="25000"/>
-      </a:schemeClr>
-    </cs:fontRef>
-    <cs:defRPr sz="1197" kern="1200"/>
-  </cs:dataLabel>
-  <cs:dataLabelCallout>
-    <cs:lnRef idx="0"/>
-    <cs:fillRef idx="0"/>
-    <cs:effectRef idx="0"/>
-    <cs:fontRef idx="minor">
-      <a:schemeClr val="dk1">
-        <a:lumMod val="65000"/>
-        <a:lumOff val="35000"/>
-      </a:schemeClr>
-    </cs:fontRef>
-    <cs:spPr>
-      <a:solidFill>
-        <a:schemeClr val="lt1"/>
-      </a:solidFill>
-      <a:ln>
-        <a:solidFill>
-          <a:schemeClr val="dk1">
-            <a:lumMod val="25000"/>
-            <a:lumOff val="75000"/>
-          </a:schemeClr>
-        </a:solidFill>
-      </a:ln>
-    </cs:spPr>
-    <cs:defRPr sz="1197" kern="1200"/>
-    <cs:bodyPr rot="0" spcFirstLastPara="1" vertOverflow="clip" horzOverflow="clip" vert="horz" wrap="square" lIns="36576" tIns="18288" rIns="36576" bIns="18288" anchor="ctr" anchorCtr="1">
-      <a:spAutoFit/>
-    </cs:bodyPr>
-  </cs:dataLabelCallout>
-  <cs:dataPoint>
-    <cs:lnRef idx="0"/>
-    <cs:fillRef idx="1">
-      <cs:styleClr val="auto"/>
-    </cs:fillRef>
-    <cs:effectRef idx="0"/>
-    <cs:fontRef idx="minor">
-      <a:schemeClr val="tx1"/>
-    </cs:fontRef>
-  </cs:dataPoint>
-  <cs:dataPoint3D>
-    <cs:lnRef idx="0"/>
-    <cs:fillRef idx="1">
-      <cs:styleClr val="auto"/>
-    </cs:fillRef>
-    <cs:effectRef idx="0"/>
-    <cs:fontRef idx="minor">
-      <a:schemeClr val="tx1"/>
-    </cs:fontRef>
-  </cs:dataPoint3D>
-  <cs:dataPointLine>
-    <cs:lnRef idx="0">
-      <cs:styleClr val="auto"/>
-    </cs:lnRef>
-    <cs:fillRef idx="1"/>
-    <cs:effectRef idx="0"/>
-    <cs:fontRef idx="minor">
-      <a:schemeClr val="tx1"/>
-    </cs:fontRef>
-    <cs:spPr>
-      <a:ln w="28575" cap="rnd">
-        <a:solidFill>
-          <a:schemeClr val="phClr"/>
-        </a:solidFill>
-        <a:round/>
-      </a:ln>
-    </cs:spPr>
-  </cs:dataPointLine>
-  <cs:dataPointMarker>
-    <cs:lnRef idx="0">
-      <cs:styleClr val="auto"/>
-    </cs:lnRef>
-    <cs:fillRef idx="1">
-      <cs:styleClr val="auto"/>
-    </cs:fillRef>
-    <cs:effectRef idx="0"/>
-    <cs:fontRef idx="minor">
-      <a:schemeClr val="tx1"/>
-    </cs:fontRef>
-    <cs:spPr>
-      <a:ln w="9525">
-        <a:solidFill>
-          <a:schemeClr val="phClr"/>
-        </a:solidFill>
-      </a:ln>
-    </cs:spPr>
-  </cs:dataPointMarker>
-  <cs:dataPointMarkerLayout symbol="circle" size="5"/>
-  <cs:dataPointWireframe>
-    <cs:lnRef idx="0">
-      <cs:styleClr val="auto"/>
-    </cs:lnRef>
-    <cs:fillRef idx="1"/>
-    <cs:effectRef idx="0"/>
-    <cs:fontRef idx="minor">
-      <a:schemeClr val="tx1"/>
-    </cs:fontRef>
-    <cs:spPr>
-      <a:ln w="9525" cap="rnd">
-        <a:solidFill>
-          <a:schemeClr val="phClr"/>
-        </a:solidFill>
-        <a:round/>
-      </a:ln>
-    </cs:spPr>
-  </cs:dataPointWireframe>
-  <cs:dataTable>
-    <cs:lnRef idx="0"/>
-    <cs:fillRef idx="0"/>
-    <cs:effectRef idx="0"/>
-    <cs:fontRef idx="minor">
-      <a:schemeClr val="tx1">
-        <a:lumMod val="65000"/>
-        <a:lumOff val="35000"/>
-      </a:schemeClr>
-    </cs:fontRef>
-    <cs:spPr>
-      <a:noFill/>
-      <a:ln w="9525" cap="flat" cmpd="sng" algn="ctr">
-        <a:solidFill>
-          <a:schemeClr val="tx1">
-            <a:lumMod val="15000"/>
-            <a:lumOff val="85000"/>
-          </a:schemeClr>
-        </a:solidFill>
-        <a:round/>
-      </a:ln>
-    </cs:spPr>
-    <cs:defRPr sz="1197" kern="1200"/>
-  </cs:dataTable>
-  <cs:downBar>
-    <cs:lnRef idx="0"/>
-    <cs:fillRef idx="0"/>
-    <cs:effectRef idx="0"/>
-    <cs:fontRef idx="minor">
-      <a:schemeClr val="dk1"/>
-    </cs:fontRef>
-    <cs:spPr>
-      <a:solidFill>
-        <a:schemeClr val="dk1">
-          <a:lumMod val="65000"/>
-          <a:lumOff val="35000"/>
-        </a:schemeClr>
-      </a:solidFill>
-      <a:ln w="9525">
-        <a:solidFill>
-          <a:schemeClr val="tx1">
-            <a:lumMod val="65000"/>
-            <a:lumOff val="35000"/>
-          </a:schemeClr>
-        </a:solidFill>
-      </a:ln>
-    </cs:spPr>
-  </cs:downBar>
-  <cs:dropLine>
-    <cs:lnRef idx="0"/>
-    <cs:fillRef idx="0"/>
-    <cs:effectRef idx="0"/>
-    <cs:fontRef idx="minor">
-      <a:schemeClr val="tx1"/>
-    </cs:fontRef>
-    <cs:spPr>
-      <a:ln w="9525" cap="flat" cmpd="sng" algn="ctr">
-        <a:solidFill>
-          <a:schemeClr val="tx1">
-            <a:lumMod val="35000"/>
-            <a:lumOff val="65000"/>
-          </a:schemeClr>
-        </a:solidFill>
-        <a:round/>
-      </a:ln>
-    </cs:spPr>
-  </cs:dropLine>
-  <cs:errorBar>
-    <cs:lnRef idx="0"/>
-    <cs:fillRef idx="0"/>
-    <cs:effectRef idx="0"/>
-    <cs:fontRef idx="minor">
-      <a:schemeClr val="tx1"/>
-    </cs:fontRef>
-    <cs:spPr>
-      <a:ln w="9525" cap="flat" cmpd="sng" algn="ctr">
-        <a:solidFill>
-          <a:schemeClr val="tx1">
-            <a:lumMod val="65000"/>
-            <a:lumOff val="35000"/>
-          </a:schemeClr>
-        </a:solidFill>
-        <a:round/>
-      </a:ln>
-    </cs:spPr>
-  </cs:errorBar>
-  <cs:floor>
-    <cs:lnRef idx="0"/>
-    <cs:fillRef idx="0"/>
-    <cs:effectRef idx="0"/>
-    <cs:fontRef idx="minor">
-      <a:schemeClr val="tx1"/>
-    </cs:fontRef>
-    <cs:spPr>
-      <a:noFill/>
-      <a:ln>
-        <a:noFill/>
-      </a:ln>
-    </cs:spPr>
-  </cs:floor>
-  <cs:gridlineMajor>
-    <cs:lnRef idx="0"/>
-    <cs:fillRef idx="0"/>
-    <cs:effectRef idx="0"/>
-    <cs:fontRef idx="minor">
-      <a:schemeClr val="tx1"/>
-    </cs:fontRef>
-    <cs:spPr>
-      <a:ln w="9525" cap="flat" cmpd="sng" algn="ctr">
-        <a:solidFill>
-          <a:schemeClr val="tx1">
-            <a:lumMod val="15000"/>
-            <a:lumOff val="85000"/>
-          </a:schemeClr>
-        </a:solidFill>
-        <a:round/>
-      </a:ln>
-    </cs:spPr>
-  </cs:gridlineMajor>
-  <cs:gridlineMinor>
-    <cs:lnRef idx="0"/>
-    <cs:fillRef idx="0"/>
-    <cs:effectRef idx="0"/>
-    <cs:fontRef idx="minor">
-      <a:schemeClr val="tx1"/>
-    </cs:fontRef>
-    <cs:spPr>
-      <a:ln w="9525" cap="flat" cmpd="sng" algn="ctr">
-        <a:solidFill>
-          <a:schemeClr val="tx1">
-            <a:lumMod val="5000"/>
-            <a:lumOff val="95000"/>
-          </a:schemeClr>
-        </a:solidFill>
-        <a:round/>
-      </a:ln>
-    </cs:spPr>
-  </cs:gridlineMinor>
-  <cs:hiLoLine>
-    <cs:lnRef idx="0"/>
-    <cs:fillRef idx="0"/>
-    <cs:effectRef idx="0"/>
-    <cs:fontRef idx="minor">
-      <a:schemeClr val="tx1"/>
-    </cs:fontRef>
-    <cs:spPr>
-      <a:ln w="9525" cap="flat" cmpd="sng" algn="ctr">
-        <a:solidFill>
-          <a:schemeClr val="tx1">
-            <a:lumMod val="75000"/>
-            <a:lumOff val="25000"/>
-          </a:schemeClr>
-        </a:solidFill>
-        <a:round/>
-      </a:ln>
-    </cs:spPr>
-  </cs:hiLoLine>
-  <cs:leaderLine>
-    <cs:lnRef idx="0"/>
-    <cs:fillRef idx="0"/>
-    <cs:effectRef idx="0"/>
-    <cs:fontRef idx="minor">
-      <a:schemeClr val="tx1"/>
-    </cs:fontRef>
-    <cs:spPr>
-      <a:ln w="9525" cap="flat" cmpd="sng" algn="ctr">
-        <a:solidFill>
-          <a:schemeClr val="tx1">
-            <a:lumMod val="35000"/>
-            <a:lumOff val="65000"/>
-          </a:schemeClr>
-        </a:solidFill>
-        <a:round/>
-      </a:ln>
-    </cs:spPr>
-  </cs:leaderLine>
-  <cs:legend>
-    <cs:lnRef idx="0"/>
-    <cs:fillRef idx="0"/>
-    <cs:effectRef idx="0"/>
-    <cs:fontRef idx="minor">
-      <a:schemeClr val="tx1">
-        <a:lumMod val="65000"/>
-        <a:lumOff val="35000"/>
-      </a:schemeClr>
-    </cs:fontRef>
-    <cs:defRPr sz="1197" kern="1200"/>
-  </cs:legend>
-  <cs:plotArea mods="allowNoFillOverride allowNoLineOverride">
-    <cs:lnRef idx="0"/>
-    <cs:fillRef idx="0"/>
-    <cs:effectRef idx="0"/>
-    <cs:fontRef idx="minor">
-      <a:schemeClr val="tx1"/>
-    </cs:fontRef>
-  </cs:plotArea>
-  <cs:plotArea3D mods="allowNoFillOverride allowNoLineOverride">
-    <cs:lnRef idx="0"/>
-    <cs:fillRef idx="0"/>
-    <cs:effectRef idx="0"/>
-    <cs:fontRef idx="minor">
-      <a:schemeClr val="tx1"/>
-    </cs:fontRef>
-  </cs:plotArea3D>
-  <cs:seriesAxis>
-    <cs:lnRef idx="0"/>
-    <cs:fillRef idx="0"/>
-    <cs:effectRef idx="0"/>
-    <cs:fontRef idx="minor">
-      <a:schemeClr val="tx1">
-        <a:lumMod val="65000"/>
-        <a:lumOff val="35000"/>
-      </a:schemeClr>
-    </cs:fontRef>
-    <cs:defRPr sz="1197" kern="1200"/>
-  </cs:seriesAxis>
-  <cs:seriesLine>
-    <cs:lnRef idx="0"/>
-    <cs:fillRef idx="0"/>
-    <cs:effectRef idx="0"/>
-    <cs:fontRef idx="minor">
-      <a:schemeClr val="tx1"/>
-    </cs:fontRef>
-    <cs:spPr>
-      <a:ln w="9525" cap="flat" cmpd="sng" algn="ctr">
-        <a:solidFill>
-          <a:schemeClr val="tx1">
-            <a:lumMod val="35000"/>
-            <a:lumOff val="65000"/>
-          </a:schemeClr>
-        </a:solidFill>
-        <a:round/>
-      </a:ln>
-    </cs:spPr>
-  </cs:seriesLine>
-  <cs:title>
-    <cs:lnRef idx="0"/>
-    <cs:fillRef idx="0"/>
-    <cs:effectRef idx="0"/>
-    <cs:fontRef idx="minor">
-      <a:schemeClr val="tx1">
-        <a:lumMod val="65000"/>
-        <a:lumOff val="35000"/>
-      </a:schemeClr>
-    </cs:fontRef>
-    <cs:defRPr sz="1862" b="0" kern="1200" spc="0" baseline="0"/>
-  </cs:title>
-  <cs:trendline>
-    <cs:lnRef idx="0">
-      <cs:styleClr val="auto"/>
-    </cs:lnRef>
-    <cs:fillRef idx="0"/>
-    <cs:effectRef idx="0"/>
-    <cs:fontRef idx="minor">
-      <a:schemeClr val="tx1"/>
-    </cs:fontRef>
-    <cs:spPr>
-      <a:ln w="19050" cap="rnd">
-        <a:solidFill>
-          <a:schemeClr val="phClr"/>
-        </a:solidFill>
-        <a:prstDash val="sysDot"/>
-      </a:ln>
-    </cs:spPr>
-  </cs:trendline>
-  <cs:trendlineLabel>
-    <cs:lnRef idx="0"/>
-    <cs:fillRef idx="0"/>
-    <cs:effectRef idx="0"/>
-    <cs:fontRef idx="minor">
-      <a:schemeClr val="tx1">
-        <a:lumMod val="65000"/>
-        <a:lumOff val="35000"/>
-      </a:schemeClr>
-    </cs:fontRef>
-    <cs:defRPr sz="1197" kern="1200"/>
-  </cs:trendlineLabel>
-  <cs:upBar>
-    <cs:lnRef idx="0"/>
-    <cs:fillRef idx="0"/>
-    <cs:effectRef idx="0"/>
-    <cs:fontRef idx="minor">
-      <a:schemeClr val="dk1"/>
-    </cs:fontRef>
-    <cs:spPr>
-      <a:solidFill>
-        <a:schemeClr val="lt1"/>
-      </a:solidFill>
-      <a:ln w="9525">
-        <a:solidFill>
-          <a:schemeClr val="tx1">
-            <a:lumMod val="15000"/>
-            <a:lumOff val="85000"/>
-          </a:schemeClr>
-        </a:solidFill>
-      </a:ln>
-    </cs:spPr>
-  </cs:upBar>
-  <cs:valueAxis>
-    <cs:lnRef idx="0"/>
-    <cs:fillRef idx="0"/>
-    <cs:effectRef idx="0"/>
-    <cs:fontRef idx="minor">
-      <a:schemeClr val="tx1">
-        <a:lumMod val="65000"/>
-        <a:lumOff val="35000"/>
-      </a:schemeClr>
-    </cs:fontRef>
-    <cs:defRPr sz="1197" kern="1200"/>
-  </cs:valueAxis>
-  <cs:wall>
-    <cs:lnRef idx="0"/>
-    <cs:fillRef idx="0"/>
-    <cs:effectRef idx="0"/>
-    <cs:fontRef idx="minor">
-      <a:schemeClr val="tx1"/>
-    </cs:fontRef>
-    <cs:spPr>
-      <a:noFill/>
-      <a:ln>
-        <a:noFill/>
-      </a:ln>
-    </cs:spPr>
-  </cs:wall>
-</cs:chartStyle>
-</file>
-
 <file path=ppt/notesMasters/notesMaster1.xml><?xml version="1.0" encoding="utf-8"?>
 <p:notesMaster xmlns:a="http://schemas.openxmlformats.org/drawingml/2006/main" xmlns:r="http://schemas.openxmlformats.org/officeDocument/2006/relationships" xmlns:p="http://schemas.openxmlformats.org/presentationml/2006/main">
   <p:cSld>
@@ -2645,90 +1585,6 @@
     <p:extLst>
       <p:ext uri="{BB962C8B-B14F-4D97-AF65-F5344CB8AC3E}">
         <p14:creationId xmlns:p14="http://schemas.microsoft.com/office/powerpoint/2010/main" val="4251462318"/>
-      </p:ext>
-    </p:extLst>
-  </p:cSld>
-  <p:clrMapOvr>
-    <a:masterClrMapping/>
-  </p:clrMapOvr>
-</p:notes>
-</file>
-
-<file path=ppt/notesSlides/notesSlide2.xml><?xml version="1.0" encoding="utf-8"?>
-<p:notes xmlns:a="http://schemas.openxmlformats.org/drawingml/2006/main" xmlns:r="http://schemas.openxmlformats.org/officeDocument/2006/relationships" xmlns:p="http://schemas.openxmlformats.org/presentationml/2006/main">
-  <p:cSld>
-    <p:spTree>
-      <p:nvGrpSpPr>
-        <p:cNvPr id="1" name=""/>
-        <p:cNvGrpSpPr/>
-        <p:nvPr/>
-      </p:nvGrpSpPr>
-      <p:grpSpPr>
-        <a:xfrm>
-          <a:off x="0" y="0"/>
-          <a:ext cx="0" cy="0"/>
-          <a:chOff x="0" y="0"/>
-          <a:chExt cx="0" cy="0"/>
-        </a:xfrm>
-      </p:grpSpPr>
-      <p:sp>
-        <p:nvSpPr>
-          <p:cNvPr id="2" name="投影片影像版面配置區 1"/>
-          <p:cNvSpPr>
-            <a:spLocks noGrp="1" noRot="1" noChangeAspect="1"/>
-          </p:cNvSpPr>
-          <p:nvPr>
-            <p:ph type="sldImg"/>
-          </p:nvPr>
-        </p:nvSpPr>
-        <p:spPr/>
-      </p:sp>
-      <p:sp>
-        <p:nvSpPr>
-          <p:cNvPr id="3" name="備忘稿版面配置區 2"/>
-          <p:cNvSpPr>
-            <a:spLocks noGrp="1"/>
-          </p:cNvSpPr>
-          <p:nvPr>
-            <p:ph type="body" idx="1"/>
-          </p:nvPr>
-        </p:nvSpPr>
-        <p:spPr/>
-        <p:txBody>
-          <a:bodyPr/>
-          <a:lstStyle/>
-          <a:p>
-            <a:endParaRPr lang="zh-TW" altLang="en-US" dirty="0"/>
-          </a:p>
-        </p:txBody>
-      </p:sp>
-      <p:sp>
-        <p:nvSpPr>
-          <p:cNvPr id="4" name="投影片編號版面配置區 3"/>
-          <p:cNvSpPr>
-            <a:spLocks noGrp="1"/>
-          </p:cNvSpPr>
-          <p:nvPr>
-            <p:ph type="sldNum" sz="quarter" idx="5"/>
-          </p:nvPr>
-        </p:nvSpPr>
-        <p:spPr/>
-        <p:txBody>
-          <a:bodyPr/>
-          <a:lstStyle/>
-          <a:p>
-            <a:fld id="{61E61C26-B0E0-4CCE-8BFC-ED3A9F93455A}" type="slidenum">
-              <a:rPr lang="zh-TW" altLang="en-US" smtClean="0"/>
-              <a:t>2</a:t>
-            </a:fld>
-            <a:endParaRPr lang="zh-TW" altLang="en-US"/>
-          </a:p>
-        </p:txBody>
-      </p:sp>
-    </p:spTree>
-    <p:extLst>
-      <p:ext uri="{BB962C8B-B14F-4D97-AF65-F5344CB8AC3E}">
-        <p14:creationId xmlns:p14="http://schemas.microsoft.com/office/powerpoint/2010/main" val="1993726096"/>
       </p:ext>
     </p:extLst>
   </p:cSld>
@@ -7854,68 +6710,7 @@
             <p:ph idx="1"/>
             <p:extLst>
               <p:ext uri="{D42A27DB-BD31-4B8C-83A1-F6EECF244321}">
-                <p14:modId xmlns:p14="http://schemas.microsoft.com/office/powerpoint/2010/main" val="3960281339"/>
-              </p:ext>
-            </p:extLst>
-          </p:nvPr>
-        </p:nvGraphicFramePr>
-        <p:xfrm>
-          <a:off x="637309" y="628074"/>
-          <a:ext cx="10716491" cy="5548890"/>
-        </p:xfrm>
-        <a:graphic>
-          <a:graphicData uri="http://schemas.openxmlformats.org/drawingml/2006/chart">
-            <c:chart xmlns:c="http://schemas.openxmlformats.org/drawingml/2006/chart" xmlns:r="http://schemas.openxmlformats.org/officeDocument/2006/relationships" r:id="rId3"/>
-          </a:graphicData>
-        </a:graphic>
-      </p:graphicFrame>
-    </p:spTree>
-    <p:extLst>
-      <p:ext uri="{BB962C8B-B14F-4D97-AF65-F5344CB8AC3E}">
-        <p14:creationId xmlns:p14="http://schemas.microsoft.com/office/powerpoint/2010/main" val="1611853235"/>
-      </p:ext>
-    </p:extLst>
-  </p:cSld>
-  <p:clrMapOvr>
-    <a:masterClrMapping/>
-  </p:clrMapOvr>
-</p:sld>
-</file>
-
-<file path=ppt/slides/slide3.xml><?xml version="1.0" encoding="utf-8"?>
-<p:sld xmlns:a="http://schemas.openxmlformats.org/drawingml/2006/main" xmlns:r="http://schemas.openxmlformats.org/officeDocument/2006/relationships" xmlns:p="http://schemas.openxmlformats.org/presentationml/2006/main">
-  <p:cSld>
-    <p:spTree>
-      <p:nvGrpSpPr>
-        <p:cNvPr id="1" name=""/>
-        <p:cNvGrpSpPr/>
-        <p:nvPr/>
-      </p:nvGrpSpPr>
-      <p:grpSpPr>
-        <a:xfrm>
-          <a:off x="0" y="0"/>
-          <a:ext cx="0" cy="0"/>
-          <a:chOff x="0" y="0"/>
-          <a:chExt cx="0" cy="0"/>
-        </a:xfrm>
-      </p:grpSpPr>
-      <p:graphicFrame>
-        <p:nvGraphicFramePr>
-          <p:cNvPr id="5" name="內容版面配置區 5">
-            <a:extLst>
-              <a:ext uri="{FF2B5EF4-FFF2-40B4-BE49-F238E27FC236}">
-                <a16:creationId xmlns:a16="http://schemas.microsoft.com/office/drawing/2014/main" id="{813C998E-A489-ED25-7EA5-F350FD9B7787}"/>
-              </a:ext>
-            </a:extLst>
-          </p:cNvPr>
-          <p:cNvGraphicFramePr>
-            <a:graphicFrameLocks noGrp="1"/>
-          </p:cNvGraphicFramePr>
-          <p:nvPr>
-            <p:ph idx="1"/>
-            <p:extLst>
-              <p:ext uri="{D42A27DB-BD31-4B8C-83A1-F6EECF244321}">
-                <p14:modId xmlns:p14="http://schemas.microsoft.com/office/powerpoint/2010/main" val="2280264009"/>
+                <p14:modId xmlns:p14="http://schemas.microsoft.com/office/powerpoint/2010/main" val="455417948"/>
               </p:ext>
             </p:extLst>
           </p:nvPr>
@@ -7933,7 +6728,7 @@
     </p:spTree>
     <p:extLst>
       <p:ext uri="{BB962C8B-B14F-4D97-AF65-F5344CB8AC3E}">
-        <p14:creationId xmlns:p14="http://schemas.microsoft.com/office/powerpoint/2010/main" val="4105414700"/>
+        <p14:creationId xmlns:p14="http://schemas.microsoft.com/office/powerpoint/2010/main" val="1611853235"/>
       </p:ext>
     </p:extLst>
   </p:cSld>
